--- a/Documentation/Bugs.pptx
+++ b/Documentation/Bugs.pptx
@@ -8,6 +8,8 @@
     <p:sldId id="256" r:id="rId2"/>
     <p:sldId id="258" r:id="rId3"/>
     <p:sldId id="257" r:id="rId4"/>
+    <p:sldId id="259" r:id="rId5"/>
+    <p:sldId id="260" r:id="rId6"/>
   </p:sldIdLst>
   <p:sldSz cx="12192000" cy="6858000"/>
   <p:notesSz cx="6858000" cy="9144000"/>
@@ -305,7 +307,7 @@
           <a:p>
             <a:fld id="{1B143DF1-4CF3-45E8-AA95-BD3E75E0120E}" type="datetimeFigureOut">
               <a:rPr lang="es-VE" smtClean="0"/>
-              <a:t>17/8/2022</a:t>
+              <a:t>24/8/2022</a:t>
             </a:fld>
             <a:endParaRPr lang="es-VE"/>
           </a:p>
@@ -741,7 +743,7 @@
           <a:p>
             <a:fld id="{1B143DF1-4CF3-45E8-AA95-BD3E75E0120E}" type="datetimeFigureOut">
               <a:rPr lang="es-VE" smtClean="0"/>
-              <a:t>17/8/2022</a:t>
+              <a:t>24/8/2022</a:t>
             </a:fld>
             <a:endParaRPr lang="es-VE"/>
           </a:p>
@@ -991,7 +993,7 @@
           <a:p>
             <a:fld id="{1B143DF1-4CF3-45E8-AA95-BD3E75E0120E}" type="datetimeFigureOut">
               <a:rPr lang="es-VE" smtClean="0"/>
-              <a:t>17/8/2022</a:t>
+              <a:t>24/8/2022</a:t>
             </a:fld>
             <a:endParaRPr lang="es-VE"/>
           </a:p>
@@ -1299,7 +1301,7 @@
           <a:p>
             <a:fld id="{1B143DF1-4CF3-45E8-AA95-BD3E75E0120E}" type="datetimeFigureOut">
               <a:rPr lang="es-VE" smtClean="0"/>
-              <a:t>17/8/2022</a:t>
+              <a:t>24/8/2022</a:t>
             </a:fld>
             <a:endParaRPr lang="es-VE"/>
           </a:p>
@@ -1617,7 +1619,7 @@
           <a:p>
             <a:fld id="{1B143DF1-4CF3-45E8-AA95-BD3E75E0120E}" type="datetimeFigureOut">
               <a:rPr lang="es-VE" smtClean="0"/>
-              <a:t>17/8/2022</a:t>
+              <a:t>24/8/2022</a:t>
             </a:fld>
             <a:endParaRPr lang="es-VE"/>
           </a:p>
@@ -1919,7 +1921,7 @@
           <a:p>
             <a:fld id="{1B143DF1-4CF3-45E8-AA95-BD3E75E0120E}" type="datetimeFigureOut">
               <a:rPr lang="es-VE" smtClean="0"/>
-              <a:t>17/8/2022</a:t>
+              <a:t>24/8/2022</a:t>
             </a:fld>
             <a:endParaRPr lang="es-VE"/>
           </a:p>
@@ -2286,7 +2288,7 @@
           <a:p>
             <a:fld id="{1B143DF1-4CF3-45E8-AA95-BD3E75E0120E}" type="datetimeFigureOut">
               <a:rPr lang="es-VE" smtClean="0"/>
-              <a:t>17/8/2022</a:t>
+              <a:t>24/8/2022</a:t>
             </a:fld>
             <a:endParaRPr lang="es-VE"/>
           </a:p>
@@ -2460,7 +2462,7 @@
           <a:p>
             <a:fld id="{1B143DF1-4CF3-45E8-AA95-BD3E75E0120E}" type="datetimeFigureOut">
               <a:rPr lang="es-VE" smtClean="0"/>
-              <a:t>17/8/2022</a:t>
+              <a:t>24/8/2022</a:t>
             </a:fld>
             <a:endParaRPr lang="es-VE"/>
           </a:p>
@@ -2640,7 +2642,7 @@
           <a:p>
             <a:fld id="{1B143DF1-4CF3-45E8-AA95-BD3E75E0120E}" type="datetimeFigureOut">
               <a:rPr lang="es-VE" smtClean="0"/>
-              <a:t>17/8/2022</a:t>
+              <a:t>24/8/2022</a:t>
             </a:fld>
             <a:endParaRPr lang="es-VE"/>
           </a:p>
@@ -2810,7 +2812,7 @@
           <a:p>
             <a:fld id="{1B143DF1-4CF3-45E8-AA95-BD3E75E0120E}" type="datetimeFigureOut">
               <a:rPr lang="es-VE" smtClean="0"/>
-              <a:t>17/8/2022</a:t>
+              <a:t>24/8/2022</a:t>
             </a:fld>
             <a:endParaRPr lang="es-VE"/>
           </a:p>
@@ -3060,7 +3062,7 @@
           <a:p>
             <a:fld id="{1B143DF1-4CF3-45E8-AA95-BD3E75E0120E}" type="datetimeFigureOut">
               <a:rPr lang="es-VE" smtClean="0"/>
-              <a:t>17/8/2022</a:t>
+              <a:t>24/8/2022</a:t>
             </a:fld>
             <a:endParaRPr lang="es-VE"/>
           </a:p>
@@ -3296,7 +3298,7 @@
           <a:p>
             <a:fld id="{1B143DF1-4CF3-45E8-AA95-BD3E75E0120E}" type="datetimeFigureOut">
               <a:rPr lang="es-VE" smtClean="0"/>
-              <a:t>17/8/2022</a:t>
+              <a:t>24/8/2022</a:t>
             </a:fld>
             <a:endParaRPr lang="es-VE"/>
           </a:p>
@@ -3678,7 +3680,7 @@
           <a:p>
             <a:fld id="{1B143DF1-4CF3-45E8-AA95-BD3E75E0120E}" type="datetimeFigureOut">
               <a:rPr lang="es-VE" smtClean="0"/>
-              <a:t>17/8/2022</a:t>
+              <a:t>24/8/2022</a:t>
             </a:fld>
             <a:endParaRPr lang="es-VE"/>
           </a:p>
@@ -3796,7 +3798,7 @@
           <a:p>
             <a:fld id="{1B143DF1-4CF3-45E8-AA95-BD3E75E0120E}" type="datetimeFigureOut">
               <a:rPr lang="es-VE" smtClean="0"/>
-              <a:t>17/8/2022</a:t>
+              <a:t>24/8/2022</a:t>
             </a:fld>
             <a:endParaRPr lang="es-VE"/>
           </a:p>
@@ -3891,7 +3893,7 @@
           <a:p>
             <a:fld id="{1B143DF1-4CF3-45E8-AA95-BD3E75E0120E}" type="datetimeFigureOut">
               <a:rPr lang="es-VE" smtClean="0"/>
-              <a:t>17/8/2022</a:t>
+              <a:t>24/8/2022</a:t>
             </a:fld>
             <a:endParaRPr lang="es-VE"/>
           </a:p>
@@ -4146,7 +4148,7 @@
           <a:p>
             <a:fld id="{1B143DF1-4CF3-45E8-AA95-BD3E75E0120E}" type="datetimeFigureOut">
               <a:rPr lang="es-VE" smtClean="0"/>
-              <a:t>17/8/2022</a:t>
+              <a:t>24/8/2022</a:t>
             </a:fld>
             <a:endParaRPr lang="es-VE"/>
           </a:p>
@@ -4429,7 +4431,7 @@
           <a:p>
             <a:fld id="{1B143DF1-4CF3-45E8-AA95-BD3E75E0120E}" type="datetimeFigureOut">
               <a:rPr lang="es-VE" smtClean="0"/>
-              <a:t>17/8/2022</a:t>
+              <a:t>24/8/2022</a:t>
             </a:fld>
             <a:endParaRPr lang="es-VE"/>
           </a:p>
@@ -4835,7 +4837,7 @@
           <a:p>
             <a:fld id="{1B143DF1-4CF3-45E8-AA95-BD3E75E0120E}" type="datetimeFigureOut">
               <a:rPr lang="es-VE" smtClean="0"/>
-              <a:t>17/8/2022</a:t>
+              <a:t>24/8/2022</a:t>
             </a:fld>
             <a:endParaRPr lang="es-VE"/>
           </a:p>
@@ -5704,6 +5706,138 @@
 </p:sld>
 </file>
 
+<file path=ppt/slides/slide4.xml><?xml version="1.0" encoding="utf-8"?>
+<p:sld xmlns:a="http://schemas.openxmlformats.org/drawingml/2006/main" xmlns:r="http://schemas.openxmlformats.org/officeDocument/2006/relationships" xmlns:p="http://schemas.openxmlformats.org/presentationml/2006/main">
+  <p:cSld>
+    <p:spTree>
+      <p:nvGrpSpPr>
+        <p:cNvPr id="1" name=""/>
+        <p:cNvGrpSpPr/>
+        <p:nvPr/>
+      </p:nvGrpSpPr>
+      <p:grpSpPr>
+        <a:xfrm>
+          <a:off x="0" y="0"/>
+          <a:ext cx="0" cy="0"/>
+          <a:chOff x="0" y="0"/>
+          <a:chExt cx="0" cy="0"/>
+        </a:xfrm>
+      </p:grpSpPr>
+      <p:pic>
+        <p:nvPicPr>
+          <p:cNvPr id="4" name="Imagen 3"/>
+          <p:cNvPicPr>
+            <a:picLocks noChangeAspect="1"/>
+          </p:cNvPicPr>
+          <p:nvPr/>
+        </p:nvPicPr>
+        <p:blipFill>
+          <a:blip r:embed="rId2"/>
+          <a:stretch>
+            <a:fillRect/>
+          </a:stretch>
+        </p:blipFill>
+        <p:spPr>
+          <a:xfrm>
+            <a:off x="370728" y="575233"/>
+            <a:ext cx="11527967" cy="5869110"/>
+          </a:xfrm>
+          <a:prstGeom prst="rect">
+            <a:avLst/>
+          </a:prstGeom>
+        </p:spPr>
+      </p:pic>
+      <p:pic>
+        <p:nvPicPr>
+          <p:cNvPr id="5" name="Imagen 4"/>
+          <p:cNvPicPr>
+            <a:picLocks noChangeAspect="1"/>
+          </p:cNvPicPr>
+          <p:nvPr/>
+        </p:nvPicPr>
+        <p:blipFill>
+          <a:blip r:embed="rId3"/>
+          <a:stretch>
+            <a:fillRect/>
+          </a:stretch>
+        </p:blipFill>
+        <p:spPr>
+          <a:xfrm>
+            <a:off x="8578362" y="2229517"/>
+            <a:ext cx="2872989" cy="2560542"/>
+          </a:xfrm>
+          <a:prstGeom prst="rect">
+            <a:avLst/>
+          </a:prstGeom>
+        </p:spPr>
+      </p:pic>
+    </p:spTree>
+    <p:extLst>
+      <p:ext uri="{BB962C8B-B14F-4D97-AF65-F5344CB8AC3E}">
+        <p14:creationId xmlns:p14="http://schemas.microsoft.com/office/powerpoint/2010/main" val="4208870020"/>
+      </p:ext>
+    </p:extLst>
+  </p:cSld>
+  <p:clrMapOvr>
+    <a:masterClrMapping/>
+  </p:clrMapOvr>
+</p:sld>
+</file>
+
+<file path=ppt/slides/slide5.xml><?xml version="1.0" encoding="utf-8"?>
+<p:sld xmlns:a="http://schemas.openxmlformats.org/drawingml/2006/main" xmlns:r="http://schemas.openxmlformats.org/officeDocument/2006/relationships" xmlns:p="http://schemas.openxmlformats.org/presentationml/2006/main">
+  <p:cSld>
+    <p:spTree>
+      <p:nvGrpSpPr>
+        <p:cNvPr id="1" name=""/>
+        <p:cNvGrpSpPr/>
+        <p:nvPr/>
+      </p:nvGrpSpPr>
+      <p:grpSpPr>
+        <a:xfrm>
+          <a:off x="0" y="0"/>
+          <a:ext cx="0" cy="0"/>
+          <a:chOff x="0" y="0"/>
+          <a:chExt cx="0" cy="0"/>
+        </a:xfrm>
+      </p:grpSpPr>
+      <p:pic>
+        <p:nvPicPr>
+          <p:cNvPr id="4" name="Imagen 3"/>
+          <p:cNvPicPr>
+            <a:picLocks noChangeAspect="1"/>
+          </p:cNvPicPr>
+          <p:nvPr/>
+        </p:nvPicPr>
+        <p:blipFill>
+          <a:blip r:embed="rId2"/>
+          <a:stretch>
+            <a:fillRect/>
+          </a:stretch>
+        </p:blipFill>
+        <p:spPr>
+          <a:xfrm>
+            <a:off x="438572" y="427023"/>
+            <a:ext cx="11448517" cy="5825731"/>
+          </a:xfrm>
+          <a:prstGeom prst="rect">
+            <a:avLst/>
+          </a:prstGeom>
+        </p:spPr>
+      </p:pic>
+    </p:spTree>
+    <p:extLst>
+      <p:ext uri="{BB962C8B-B14F-4D97-AF65-F5344CB8AC3E}">
+        <p14:creationId xmlns:p14="http://schemas.microsoft.com/office/powerpoint/2010/main" val="1905105711"/>
+      </p:ext>
+    </p:extLst>
+  </p:cSld>
+  <p:clrMapOvr>
+    <a:masterClrMapping/>
+  </p:clrMapOvr>
+</p:sld>
+</file>
+
 <file path=ppt/theme/theme1.xml><?xml version="1.0" encoding="utf-8"?>
 <a:theme xmlns:a="http://schemas.openxmlformats.org/drawingml/2006/main" name="Sector">
   <a:themeElements>
